--- a/k224-docs/слайды по документации.pptx
+++ b/k224-docs/слайды по документации.pptx
@@ -137,6 +137,31 @@
   </mc:AlternateContent>
   <c:chart>
     <c:title>
+      <c:tx>
+        <c:rich>
+          <a:bodyPr rot="0" spcFirstLastPara="1" vertOverflow="ellipsis" vert="horz" wrap="square" anchor="ctr" anchorCtr="1"/>
+          <a:lstStyle/>
+          <a:p>
+            <a:pPr>
+              <a:defRPr sz="1862" b="1" i="0" u="none" strike="noStrike" kern="1200" cap="all" spc="50" baseline="0">
+                <a:solidFill>
+                  <a:schemeClr val="tx1">
+                    <a:lumMod val="65000"/>
+                    <a:lumOff val="35000"/>
+                  </a:schemeClr>
+                </a:solidFill>
+                <a:latin typeface="+mn-lt"/>
+                <a:ea typeface="+mn-ea"/>
+                <a:cs typeface="+mn-cs"/>
+              </a:defRPr>
+            </a:pPr>
+            <a:r>
+              <a:rPr lang="ru-RU"/>
+              <a:t>Оценка пользователями конечного сервиса</a:t>
+            </a:r>
+          </a:p>
+        </c:rich>
+      </c:tx>
       <c:layout/>
       <c:overlay val="0"/>
       <c:spPr>
@@ -151,9 +176,9 @@
         <a:lstStyle/>
         <a:p>
           <a:pPr>
-            <a:defRPr sz="2200" b="1" i="0" u="none" strike="noStrike" kern="1200" baseline="0">
+            <a:defRPr sz="1862" b="1" i="0" u="none" strike="noStrike" kern="1200" cap="all" spc="50" baseline="0">
               <a:solidFill>
-                <a:schemeClr val="dk1">
+                <a:schemeClr val="tx1">
                   <a:lumMod val="65000"/>
                   <a:lumOff val="35000"/>
                 </a:schemeClr>
@@ -196,13 +221,17 @@
               <a:ln>
                 <a:noFill/>
               </a:ln>
-              <a:effectLst>
-                <a:outerShdw blurRad="317500" algn="ctr" rotWithShape="0">
-                  <a:prstClr val="black">
-                    <a:alpha val="25000"/>
-                  </a:prstClr>
-                </a:outerShdw>
-              </a:effectLst>
+              <a:effectLst/>
+              <a:scene3d>
+                <a:camera prst="orthographicFront"/>
+                <a:lightRig rig="brightRoom" dir="t"/>
+              </a:scene3d>
+              <a:sp3d prstMaterial="flat">
+                <a:bevelT w="50800" h="101600" prst="angle"/>
+                <a:contourClr>
+                  <a:srgbClr val="000000"/>
+                </a:contourClr>
+              </a:sp3d>
             </c:spPr>
           </c:dPt>
           <c:dPt>
@@ -215,56 +244,118 @@
               <a:ln>
                 <a:noFill/>
               </a:ln>
-              <a:effectLst>
-                <a:outerShdw blurRad="317500" algn="ctr" rotWithShape="0">
-                  <a:prstClr val="black">
-                    <a:alpha val="25000"/>
-                  </a:prstClr>
-                </a:outerShdw>
-              </a:effectLst>
-            </c:spPr>
-          </c:dPt>
-          <c:dPt>
-            <c:idx val="2"/>
-            <c:bubble3D val="0"/>
-            <c:spPr>
-              <a:solidFill>
-                <a:schemeClr val="accent6"/>
-              </a:solidFill>
-              <a:ln>
-                <a:noFill/>
-              </a:ln>
-              <a:effectLst>
-                <a:outerShdw blurRad="317500" algn="ctr" rotWithShape="0">
-                  <a:prstClr val="black">
-                    <a:alpha val="25000"/>
-                  </a:prstClr>
-                </a:outerShdw>
-              </a:effectLst>
-            </c:spPr>
-          </c:dPt>
-          <c:dPt>
-            <c:idx val="3"/>
-            <c:bubble3D val="0"/>
-            <c:spPr>
-              <a:solidFill>
-                <a:schemeClr val="accent2">
-                  <a:lumMod val="60000"/>
-                </a:schemeClr>
-              </a:solidFill>
-              <a:ln>
-                <a:noFill/>
-              </a:ln>
-              <a:effectLst>
-                <a:outerShdw blurRad="317500" algn="ctr" rotWithShape="0">
-                  <a:prstClr val="black">
-                    <a:alpha val="25000"/>
-                  </a:prstClr>
-                </a:outerShdw>
-              </a:effectLst>
+              <a:effectLst/>
+              <a:scene3d>
+                <a:camera prst="orthographicFront"/>
+                <a:lightRig rig="brightRoom" dir="t"/>
+              </a:scene3d>
+              <a:sp3d prstMaterial="flat">
+                <a:bevelT w="50800" h="101600" prst="angle"/>
+                <a:contourClr>
+                  <a:srgbClr val="000000"/>
+                </a:contourClr>
+              </a:sp3d>
             </c:spPr>
           </c:dPt>
           <c:dLbls>
+            <c:dLbl>
+              <c:idx val="0"/>
+              <c:layout/>
+              <c:tx>
+                <c:rich>
+                  <a:bodyPr/>
+                  <a:lstStyle/>
+                  <a:p>
+                    <a:fld id="{4D862DB2-4595-4AA6-A39A-0C8C662578DD}" type="CATEGORYNAME">
+                      <a:rPr lang="ru-RU">
+                        <a:solidFill>
+                          <a:schemeClr val="tx1"/>
+                        </a:solidFill>
+                      </a:rPr>
+                      <a:pPr/>
+                      <a:t>[ИМЯ КАТЕГОРИИ]</a:t>
+                    </a:fld>
+                    <a:r>
+                      <a:rPr lang="ru-RU" baseline="0" dirty="0"/>
+                      <a:t>
+</a:t>
+                    </a:r>
+                    <a:fld id="{1301BA3C-148B-436C-ACA0-FEE61695F11D}" type="PERCENTAGE">
+                      <a:rPr lang="ru-RU" baseline="0">
+                        <a:solidFill>
+                          <a:schemeClr val="tx1"/>
+                        </a:solidFill>
+                      </a:rPr>
+                      <a:pPr/>
+                      <a:t>[ПРОЦЕНТ]</a:t>
+                    </a:fld>
+                    <a:endParaRPr lang="ru-RU" baseline="0" dirty="0"/>
+                  </a:p>
+                </c:rich>
+              </c:tx>
+              <c:showLegendKey val="0"/>
+              <c:showVal val="0"/>
+              <c:showCatName val="1"/>
+              <c:showSerName val="0"/>
+              <c:showPercent val="1"/>
+              <c:showBubbleSize val="0"/>
+              <c:extLst>
+                <c:ext xmlns:c15="http://schemas.microsoft.com/office/drawing/2012/chart" uri="{CE6537A1-D6FC-4f65-9D91-7224C49458BB}">
+                  <c15:layout/>
+                  <c15:dlblFieldTable/>
+                  <c15:showDataLabelsRange val="0"/>
+                </c:ext>
+              </c:extLst>
+            </c:dLbl>
+            <c:dLbl>
+              <c:idx val="1"/>
+              <c:layout/>
+              <c:tx>
+                <c:rich>
+                  <a:bodyPr/>
+                  <a:lstStyle/>
+                  <a:p>
+                    <a:fld id="{612CE55A-1FCC-435A-B782-F0A1D2E1DD35}" type="CATEGORYNAME">
+                      <a:rPr lang="ru-RU">
+                        <a:solidFill>
+                          <a:schemeClr val="tx1"/>
+                        </a:solidFill>
+                      </a:rPr>
+                      <a:pPr/>
+                      <a:t>[ИМЯ КАТЕГОРИИ]</a:t>
+                    </a:fld>
+                    <a:r>
+                      <a:rPr lang="ru-RU" baseline="0" dirty="0"/>
+                      <a:t>
+</a:t>
+                    </a:r>
+                    <a:fld id="{95945D4B-A653-456E-8891-58855E0EC691}" type="PERCENTAGE">
+                      <a:rPr lang="ru-RU" baseline="0">
+                        <a:solidFill>
+                          <a:schemeClr val="tx1"/>
+                        </a:solidFill>
+                      </a:rPr>
+                      <a:pPr/>
+                      <a:t>[ПРОЦЕНТ]</a:t>
+                    </a:fld>
+                    <a:endParaRPr lang="ru-RU" baseline="0" dirty="0"/>
+                  </a:p>
+                </c:rich>
+              </c:tx>
+              <c:showLegendKey val="0"/>
+              <c:showVal val="0"/>
+              <c:showCatName val="1"/>
+              <c:showSerName val="0"/>
+              <c:showPercent val="1"/>
+              <c:showBubbleSize val="0"/>
+              <c:extLst>
+                <c:ext xmlns:c15="http://schemas.microsoft.com/office/drawing/2012/chart" uri="{CE6537A1-D6FC-4f65-9D91-7224C49458BB}">
+                  <c15:layout/>
+                  <c15:dlblFieldTable/>
+                  <c15:showDataLabelsRange val="0"/>
+                </c:ext>
+              </c:extLst>
+            </c:dLbl>
             <c:spPr>
               <a:noFill/>
               <a:ln>
@@ -302,7 +393,7 @@
               <c:spPr>
                 <a:ln w="9525" cap="flat" cmpd="sng" algn="ctr">
                   <a:solidFill>
-                    <a:schemeClr val="dk1">
+                    <a:schemeClr val="tx1">
                       <a:lumMod val="35000"/>
                       <a:lumOff val="65000"/>
                     </a:schemeClr>
@@ -320,7 +411,7 @@
           </c:dLbls>
           <c:cat>
             <c:strRef>
-              <c:f>Лист1!$A$2:$A$5</c:f>
+              <c:f>Лист1!$A$2:$A$3</c:f>
               <c:strCache>
                 <c:ptCount val="2"/>
                 <c:pt idx="0">
@@ -334,15 +425,15 @@
           </c:cat>
           <c:val>
             <c:numRef>
-              <c:f>Лист1!$B$2:$B$5</c:f>
+              <c:f>Лист1!$B$2:$B$3</c:f>
               <c:numCache>
                 <c:formatCode>General</c:formatCode>
-                <c:ptCount val="4"/>
+                <c:ptCount val="2"/>
                 <c:pt idx="0">
                   <c:v>7</c:v>
                 </c:pt>
                 <c:pt idx="1">
-                  <c:v>3</c:v>
+                  <c:v>3.4</c:v>
                 </c:pt>
               </c:numCache>
             </c:numRef>
@@ -358,7 +449,7 @@
           <c:showLeaderLines val="1"/>
         </c:dLbls>
         <c:firstSliceAng val="0"/>
-        <c:holeSize val="70"/>
+        <c:holeSize val="50"/>
       </c:doughnutChart>
       <c:spPr>
         <a:noFill/>
@@ -369,15 +460,11 @@
       </c:spPr>
     </c:plotArea>
     <c:legend>
-      <c:legendPos val="b"/>
+      <c:legendPos val="t"/>
       <c:layout/>
       <c:overlay val="0"/>
       <c:spPr>
-        <a:solidFill>
-          <a:schemeClr val="lt1">
-            <a:alpha val="78000"/>
-          </a:schemeClr>
-        </a:solidFill>
+        <a:noFill/>
         <a:ln>
           <a:noFill/>
         </a:ln>
@@ -390,7 +477,7 @@
           <a:pPr>
             <a:defRPr sz="1197" b="0" i="0" u="none" strike="noStrike" kern="1200" baseline="0">
               <a:solidFill>
-                <a:schemeClr val="dk1">
+                <a:schemeClr val="tx1">
                   <a:lumMod val="65000"/>
                   <a:lumOff val="35000"/>
                 </a:schemeClr>
@@ -409,24 +496,401 @@
     <c:showDLblsOverMax val="0"/>
   </c:chart>
   <c:spPr>
-    <a:pattFill prst="dkDnDiag">
-      <a:fgClr>
-        <a:schemeClr val="lt1">
-          <a:lumMod val="95000"/>
-        </a:schemeClr>
-      </a:fgClr>
-      <a:bgClr>
-        <a:schemeClr val="lt1"/>
-      </a:bgClr>
-    </a:pattFill>
-    <a:ln w="9525" cap="flat" cmpd="sng" algn="ctr">
-      <a:solidFill>
-        <a:schemeClr val="dk1">
-          <a:lumMod val="15000"/>
-          <a:lumOff val="85000"/>
-        </a:schemeClr>
-      </a:solidFill>
-      <a:round/>
+    <a:noFill/>
+    <a:ln>
+      <a:noFill/>
+    </a:ln>
+    <a:effectLst/>
+  </c:spPr>
+  <c:txPr>
+    <a:bodyPr/>
+    <a:lstStyle/>
+    <a:p>
+      <a:pPr>
+        <a:defRPr/>
+      </a:pPr>
+      <a:endParaRPr lang="ru-RU"/>
+    </a:p>
+  </c:txPr>
+  <c:externalData r:id="rId3">
+    <c:autoUpdate val="0"/>
+  </c:externalData>
+</c:chartSpace>
+</file>
+
+<file path=ppt/charts/chart2.xml><?xml version="1.0" encoding="utf-8"?>
+<c:chartSpace xmlns:c="http://schemas.openxmlformats.org/drawingml/2006/chart" xmlns:a="http://schemas.openxmlformats.org/drawingml/2006/main" xmlns:r="http://schemas.openxmlformats.org/officeDocument/2006/relationships">
+  <c:date1904 val="0"/>
+  <c:lang val="ru-RU"/>
+  <c:roundedCorners val="0"/>
+  <mc:AlternateContent xmlns:mc="http://schemas.openxmlformats.org/markup-compatibility/2006">
+    <mc:Choice xmlns:c14="http://schemas.microsoft.com/office/drawing/2007/8/2/chart" Requires="c14">
+      <c14:style val="102"/>
+    </mc:Choice>
+    <mc:Fallback>
+      <c:style val="2"/>
+    </mc:Fallback>
+  </mc:AlternateContent>
+  <c:chart>
+    <c:title>
+      <c:layout/>
+      <c:overlay val="0"/>
+      <c:spPr>
+        <a:noFill/>
+        <a:ln>
+          <a:noFill/>
+        </a:ln>
+        <a:effectLst/>
+      </c:spPr>
+      <c:txPr>
+        <a:bodyPr rot="0" spcFirstLastPara="1" vertOverflow="ellipsis" vert="horz" wrap="square" anchor="ctr" anchorCtr="1"/>
+        <a:lstStyle/>
+        <a:p>
+          <a:pPr>
+            <a:defRPr sz="1862" b="0" i="0" u="none" strike="noStrike" kern="1200" spc="0" baseline="0">
+              <a:solidFill>
+                <a:schemeClr val="tx1">
+                  <a:lumMod val="65000"/>
+                  <a:lumOff val="35000"/>
+                </a:schemeClr>
+              </a:solidFill>
+              <a:latin typeface="+mn-lt"/>
+              <a:ea typeface="+mn-ea"/>
+              <a:cs typeface="+mn-cs"/>
+            </a:defRPr>
+          </a:pPr>
+          <a:endParaRPr lang="ru-RU"/>
+        </a:p>
+      </c:txPr>
+    </c:title>
+    <c:autoTitleDeleted val="0"/>
+    <c:plotArea>
+      <c:layout>
+        <c:manualLayout>
+          <c:layoutTarget val="inner"/>
+          <c:xMode val="edge"/>
+          <c:yMode val="edge"/>
+          <c:x val="4.7919414370078739E-2"/>
+          <c:y val="0.10320711717475903"/>
+          <c:w val="0.94583058562992128"/>
+          <c:h val="0.76748672690165309"/>
+        </c:manualLayout>
+      </c:layout>
+      <c:barChart>
+        <c:barDir val="col"/>
+        <c:grouping val="clustered"/>
+        <c:varyColors val="0"/>
+        <c:ser>
+          <c:idx val="0"/>
+          <c:order val="0"/>
+          <c:tx>
+            <c:strRef>
+              <c:f>Лист1!$B$1</c:f>
+              <c:strCache>
+                <c:ptCount val="1"/>
+                <c:pt idx="0">
+                  <c:v>Кол-во опрошенных</c:v>
+                </c:pt>
+              </c:strCache>
+            </c:strRef>
+          </c:tx>
+          <c:spPr>
+            <a:solidFill>
+              <a:schemeClr val="accent4">
+                <a:lumMod val="50000"/>
+              </a:schemeClr>
+            </a:solidFill>
+            <a:ln>
+              <a:noFill/>
+            </a:ln>
+            <a:effectLst/>
+          </c:spPr>
+          <c:invertIfNegative val="0"/>
+          <c:dLbls>
+            <c:spPr>
+              <a:noFill/>
+              <a:ln>
+                <a:noFill/>
+              </a:ln>
+              <a:effectLst/>
+            </c:spPr>
+            <c:txPr>
+              <a:bodyPr rot="0" spcFirstLastPara="1" vertOverflow="ellipsis" vert="horz" wrap="square" lIns="38100" tIns="19050" rIns="38100" bIns="19050" anchor="ctr" anchorCtr="1">
+                <a:spAutoFit/>
+              </a:bodyPr>
+              <a:lstStyle/>
+              <a:p>
+                <a:pPr>
+                  <a:defRPr sz="1197" b="0" i="0" u="none" strike="noStrike" kern="1200" baseline="0">
+                    <a:solidFill>
+                      <a:schemeClr val="tx1">
+                        <a:lumMod val="75000"/>
+                        <a:lumOff val="25000"/>
+                      </a:schemeClr>
+                    </a:solidFill>
+                    <a:latin typeface="+mn-lt"/>
+                    <a:ea typeface="+mn-ea"/>
+                    <a:cs typeface="+mn-cs"/>
+                  </a:defRPr>
+                </a:pPr>
+                <a:endParaRPr lang="ru-RU"/>
+              </a:p>
+            </c:txPr>
+            <c:dLblPos val="outEnd"/>
+            <c:showLegendKey val="0"/>
+            <c:showVal val="1"/>
+            <c:showCatName val="0"/>
+            <c:showSerName val="0"/>
+            <c:showPercent val="0"/>
+            <c:showBubbleSize val="0"/>
+            <c:showLeaderLines val="0"/>
+            <c:extLst>
+              <c:ext xmlns:c15="http://schemas.microsoft.com/office/drawing/2012/chart" uri="{CE6537A1-D6FC-4f65-9D91-7224C49458BB}">
+                <c15:layout/>
+                <c15:showLeaderLines val="1"/>
+                <c15:leaderLines>
+                  <c:spPr>
+                    <a:ln w="9525" cap="flat" cmpd="sng" algn="ctr">
+                      <a:solidFill>
+                        <a:schemeClr val="tx1">
+                          <a:lumMod val="35000"/>
+                          <a:lumOff val="65000"/>
+                        </a:schemeClr>
+                      </a:solidFill>
+                      <a:round/>
+                    </a:ln>
+                    <a:effectLst/>
+                  </c:spPr>
+                </c15:leaderLines>
+              </c:ext>
+            </c:extLst>
+          </c:dLbls>
+          <c:cat>
+            <c:strRef>
+              <c:f>Лист1!$A$2:$A$6</c:f>
+              <c:strCache>
+                <c:ptCount val="5"/>
+                <c:pt idx="0">
+                  <c:v>18-21</c:v>
+                </c:pt>
+                <c:pt idx="1">
+                  <c:v>22-26</c:v>
+                </c:pt>
+                <c:pt idx="2">
+                  <c:v>27-30</c:v>
+                </c:pt>
+                <c:pt idx="3">
+                  <c:v>31-40</c:v>
+                </c:pt>
+                <c:pt idx="4">
+                  <c:v>старше 40</c:v>
+                </c:pt>
+              </c:strCache>
+            </c:strRef>
+          </c:cat>
+          <c:val>
+            <c:numRef>
+              <c:f>Лист1!$B$2:$B$6</c:f>
+              <c:numCache>
+                <c:formatCode>General</c:formatCode>
+                <c:ptCount val="5"/>
+                <c:pt idx="0">
+                  <c:v>10</c:v>
+                </c:pt>
+                <c:pt idx="1">
+                  <c:v>20</c:v>
+                </c:pt>
+                <c:pt idx="2">
+                  <c:v>10</c:v>
+                </c:pt>
+                <c:pt idx="3">
+                  <c:v>8</c:v>
+                </c:pt>
+                <c:pt idx="4">
+                  <c:v>5</c:v>
+                </c:pt>
+              </c:numCache>
+            </c:numRef>
+          </c:val>
+        </c:ser>
+        <c:dLbls>
+          <c:dLblPos val="outEnd"/>
+          <c:showLegendKey val="0"/>
+          <c:showVal val="1"/>
+          <c:showCatName val="0"/>
+          <c:showSerName val="0"/>
+          <c:showPercent val="0"/>
+          <c:showBubbleSize val="0"/>
+        </c:dLbls>
+        <c:gapWidth val="219"/>
+        <c:overlap val="-27"/>
+        <c:axId val="343331952"/>
+        <c:axId val="343331392"/>
+      </c:barChart>
+      <c:catAx>
+        <c:axId val="343331952"/>
+        <c:scaling>
+          <c:orientation val="minMax"/>
+        </c:scaling>
+        <c:delete val="0"/>
+        <c:axPos val="b"/>
+        <c:numFmt formatCode="General" sourceLinked="1"/>
+        <c:majorTickMark val="none"/>
+        <c:minorTickMark val="none"/>
+        <c:tickLblPos val="nextTo"/>
+        <c:spPr>
+          <a:noFill/>
+          <a:ln w="9525" cap="flat" cmpd="sng" algn="ctr">
+            <a:solidFill>
+              <a:schemeClr val="tx1">
+                <a:lumMod val="15000"/>
+                <a:lumOff val="85000"/>
+              </a:schemeClr>
+            </a:solidFill>
+            <a:round/>
+          </a:ln>
+          <a:effectLst/>
+        </c:spPr>
+        <c:txPr>
+          <a:bodyPr rot="-60000000" spcFirstLastPara="1" vertOverflow="ellipsis" vert="horz" wrap="square" anchor="ctr" anchorCtr="1"/>
+          <a:lstStyle/>
+          <a:p>
+            <a:pPr>
+              <a:defRPr sz="1197" b="0" i="0" u="none" strike="noStrike" kern="1200" baseline="0">
+                <a:solidFill>
+                  <a:schemeClr val="tx1">
+                    <a:lumMod val="65000"/>
+                    <a:lumOff val="35000"/>
+                  </a:schemeClr>
+                </a:solidFill>
+                <a:latin typeface="+mn-lt"/>
+                <a:ea typeface="+mn-ea"/>
+                <a:cs typeface="+mn-cs"/>
+              </a:defRPr>
+            </a:pPr>
+            <a:endParaRPr lang="ru-RU"/>
+          </a:p>
+        </c:txPr>
+        <c:crossAx val="343331392"/>
+        <c:crosses val="autoZero"/>
+        <c:auto val="1"/>
+        <c:lblAlgn val="ctr"/>
+        <c:lblOffset val="100"/>
+        <c:noMultiLvlLbl val="0"/>
+      </c:catAx>
+      <c:valAx>
+        <c:axId val="343331392"/>
+        <c:scaling>
+          <c:orientation val="minMax"/>
+        </c:scaling>
+        <c:delete val="0"/>
+        <c:axPos val="l"/>
+        <c:majorGridlines>
+          <c:spPr>
+            <a:ln w="9525" cap="flat" cmpd="sng" algn="ctr">
+              <a:solidFill>
+                <a:schemeClr val="tx1">
+                  <a:lumMod val="15000"/>
+                  <a:lumOff val="85000"/>
+                </a:schemeClr>
+              </a:solidFill>
+              <a:round/>
+            </a:ln>
+            <a:effectLst/>
+          </c:spPr>
+        </c:majorGridlines>
+        <c:numFmt formatCode="General" sourceLinked="1"/>
+        <c:majorTickMark val="none"/>
+        <c:minorTickMark val="none"/>
+        <c:tickLblPos val="nextTo"/>
+        <c:spPr>
+          <a:noFill/>
+          <a:ln>
+            <a:noFill/>
+          </a:ln>
+          <a:effectLst/>
+        </c:spPr>
+        <c:txPr>
+          <a:bodyPr rot="-60000000" spcFirstLastPara="1" vertOverflow="ellipsis" vert="horz" wrap="square" anchor="ctr" anchorCtr="1"/>
+          <a:lstStyle/>
+          <a:p>
+            <a:pPr>
+              <a:defRPr sz="1197" b="0" i="0" u="none" strike="noStrike" kern="1200" baseline="0">
+                <a:solidFill>
+                  <a:schemeClr val="tx1">
+                    <a:lumMod val="65000"/>
+                    <a:lumOff val="35000"/>
+                  </a:schemeClr>
+                </a:solidFill>
+                <a:latin typeface="+mn-lt"/>
+                <a:ea typeface="+mn-ea"/>
+                <a:cs typeface="+mn-cs"/>
+              </a:defRPr>
+            </a:pPr>
+            <a:endParaRPr lang="ru-RU"/>
+          </a:p>
+        </c:txPr>
+        <c:crossAx val="343331952"/>
+        <c:crosses val="autoZero"/>
+        <c:crossBetween val="between"/>
+      </c:valAx>
+      <c:spPr>
+        <a:noFill/>
+        <a:ln>
+          <a:noFill/>
+        </a:ln>
+        <a:effectLst/>
+      </c:spPr>
+    </c:plotArea>
+    <c:legend>
+      <c:legendPos val="b"/>
+      <c:layout>
+        <c:manualLayout>
+          <c:xMode val="edge"/>
+          <c:yMode val="edge"/>
+          <c:x val="0.45176027352355286"/>
+          <c:y val="0.15495946147466572"/>
+          <c:w val="0.27764841207716184"/>
+          <c:h val="8.4992242870111895E-2"/>
+        </c:manualLayout>
+      </c:layout>
+      <c:overlay val="0"/>
+      <c:spPr>
+        <a:noFill/>
+        <a:ln>
+          <a:noFill/>
+        </a:ln>
+        <a:effectLst/>
+      </c:spPr>
+      <c:txPr>
+        <a:bodyPr rot="0" spcFirstLastPara="1" vertOverflow="ellipsis" vert="horz" wrap="square" anchor="ctr" anchorCtr="1"/>
+        <a:lstStyle/>
+        <a:p>
+          <a:pPr>
+            <a:defRPr sz="1197" b="0" i="0" u="none" strike="noStrike" kern="1200" baseline="0">
+              <a:solidFill>
+                <a:schemeClr val="tx1">
+                  <a:lumMod val="65000"/>
+                  <a:lumOff val="35000"/>
+                </a:schemeClr>
+              </a:solidFill>
+              <a:latin typeface="+mn-lt"/>
+              <a:ea typeface="+mn-ea"/>
+              <a:cs typeface="+mn-cs"/>
+            </a:defRPr>
+          </a:pPr>
+          <a:endParaRPr lang="ru-RU"/>
+        </a:p>
+      </c:txPr>
+    </c:legend>
+    <c:plotVisOnly val="1"/>
+    <c:dispBlanksAs val="gap"/>
+    <c:showDLblsOverMax val="0"/>
+  </c:chart>
+  <c:spPr>
+    <a:noFill/>
+    <a:ln>
+      <a:noFill/>
     </a:ln>
     <a:effectLst/>
   </c:spPr>
@@ -483,14 +947,54 @@
 </cs:colorStyle>
 </file>
 
+<file path=ppt/charts/colors2.xml><?xml version="1.0" encoding="utf-8"?>
+<cs:colorStyle xmlns:cs="http://schemas.microsoft.com/office/drawing/2012/chartStyle" xmlns:a="http://schemas.openxmlformats.org/drawingml/2006/main" meth="cycle" id="10">
+  <a:schemeClr val="accent1"/>
+  <a:schemeClr val="accent2"/>
+  <a:schemeClr val="accent3"/>
+  <a:schemeClr val="accent4"/>
+  <a:schemeClr val="accent5"/>
+  <a:schemeClr val="accent6"/>
+  <cs:variation/>
+  <cs:variation>
+    <a:lumMod val="60000"/>
+  </cs:variation>
+  <cs:variation>
+    <a:lumMod val="80000"/>
+    <a:lumOff val="20000"/>
+  </cs:variation>
+  <cs:variation>
+    <a:lumMod val="80000"/>
+  </cs:variation>
+  <cs:variation>
+    <a:lumMod val="60000"/>
+    <a:lumOff val="40000"/>
+  </cs:variation>
+  <cs:variation>
+    <a:lumMod val="50000"/>
+  </cs:variation>
+  <cs:variation>
+    <a:lumMod val="70000"/>
+    <a:lumOff val="30000"/>
+  </cs:variation>
+  <cs:variation>
+    <a:lumMod val="70000"/>
+  </cs:variation>
+  <cs:variation>
+    <a:lumMod val="50000"/>
+    <a:lumOff val="50000"/>
+  </cs:variation>
+</cs:colorStyle>
+</file>
+
 <file path=ppt/charts/style1.xml><?xml version="1.0" encoding="utf-8"?>
-<cs:chartStyle xmlns:cs="http://schemas.microsoft.com/office/drawing/2012/chartStyle" xmlns:a="http://schemas.openxmlformats.org/drawingml/2006/main" id="261">
+<cs:chartStyle xmlns:cs="http://schemas.microsoft.com/office/drawing/2012/chartStyle" xmlns:a="http://schemas.openxmlformats.org/drawingml/2006/main" id="258">
   <cs:axisTitle>
     <cs:lnRef idx="0"/>
     <cs:fillRef idx="0"/>
     <cs:effectRef idx="0"/>
     <cs:fontRef idx="minor">
-      <a:schemeClr val="dk1">
+      <a:schemeClr val="tx1">
         <a:lumMod val="65000"/>
         <a:lumOff val="35000"/>
       </a:schemeClr>
@@ -502,34 +1006,27 @@
     <cs:fillRef idx="0"/>
     <cs:effectRef idx="0"/>
     <cs:fontRef idx="minor">
-      <a:schemeClr val="dk1">
+      <a:schemeClr val="tx1">
         <a:lumMod val="65000"/>
         <a:lumOff val="35000"/>
       </a:schemeClr>
     </cs:fontRef>
     <cs:defRPr sz="1197" kern="1200"/>
   </cs:categoryAxis>
-  <cs:chartArea>
+  <cs:chartArea mods="allowNoFillOverride allowNoLineOverride">
     <cs:lnRef idx="0"/>
     <cs:fillRef idx="0"/>
     <cs:effectRef idx="0"/>
     <cs:fontRef idx="minor">
-      <a:schemeClr val="dk1"/>
+      <a:schemeClr val="tx1"/>
     </cs:fontRef>
     <cs:spPr>
-      <a:pattFill prst="dkDnDiag">
-        <a:fgClr>
-          <a:schemeClr val="lt1">
-            <a:lumMod val="95000"/>
-          </a:schemeClr>
-        </a:fgClr>
-        <a:bgClr>
-          <a:schemeClr val="lt1"/>
-        </a:bgClr>
-      </a:pattFill>
+      <a:solidFill>
+        <a:schemeClr val="bg1"/>
+      </a:solidFill>
       <a:ln w="9525" cap="flat" cmpd="sng" algn="ctr">
         <a:solidFill>
-          <a:schemeClr val="dk1">
+          <a:schemeClr val="tx1">
             <a:lumMod val="15000"/>
             <a:lumOff val="85000"/>
           </a:schemeClr>
@@ -546,7 +1043,7 @@
     <cs:fontRef idx="minor">
       <a:schemeClr val="lt1"/>
     </cs:fontRef>
-    <cs:defRPr sz="1197" b="1" i="0" u="none" strike="noStrike" kern="1200" baseline="0"/>
+    <cs:defRPr sz="1197" b="1" kern="1200"/>
   </cs:dataLabel>
   <cs:dataLabelCallout>
     <cs:lnRef idx="0"/>
@@ -560,11 +1057,9 @@
     </cs:fontRef>
     <cs:spPr>
       <a:solidFill>
-        <a:schemeClr val="lt1">
-          <a:alpha val="75000"/>
-        </a:schemeClr>
+        <a:schemeClr val="lt1"/>
       </a:solidFill>
-      <a:ln w="9525">
+      <a:ln>
         <a:solidFill>
           <a:schemeClr val="dk1">
             <a:lumMod val="25000"/>
@@ -585,19 +1080,22 @@
     </cs:fillRef>
     <cs:effectRef idx="0"/>
     <cs:fontRef idx="minor">
-      <a:schemeClr val="dk1"/>
+      <a:schemeClr val="tx1"/>
     </cs:fontRef>
     <cs:spPr>
       <a:solidFill>
         <a:schemeClr val="phClr"/>
       </a:solidFill>
-      <a:effectLst>
-        <a:outerShdw blurRad="317500" algn="ctr" rotWithShape="0">
-          <a:prstClr val="black">
-            <a:alpha val="25000"/>
-          </a:prstClr>
-        </a:outerShdw>
-      </a:effectLst>
+      <a:scene3d>
+        <a:camera prst="orthographicFront"/>
+        <a:lightRig rig="brightRoom" dir="t"/>
+      </a:scene3d>
+      <a:sp3d prstMaterial="flat">
+        <a:bevelT w="50800" h="101600" prst="angle"/>
+        <a:contourClr>
+          <a:srgbClr val="000000"/>
+        </a:contourClr>
+      </a:sp3d>
     </cs:spPr>
   </cs:dataPoint>
   <cs:dataPoint3D>
@@ -607,24 +1105,17 @@
     </cs:fillRef>
     <cs:effectRef idx="0"/>
     <cs:fontRef idx="minor">
-      <a:schemeClr val="dk1"/>
+      <a:schemeClr val="tx1"/>
     </cs:fontRef>
     <cs:spPr>
       <a:solidFill>
         <a:schemeClr val="phClr"/>
       </a:solidFill>
-      <a:effectLst>
-        <a:outerShdw blurRad="88900" sx="102000" sy="102000" algn="ctr" rotWithShape="0">
-          <a:prstClr val="black">
-            <a:alpha val="20000"/>
-          </a:prstClr>
-        </a:outerShdw>
-      </a:effectLst>
-      <a:scene3d>
-        <a:camera prst="orthographicFront"/>
-        <a:lightRig rig="threePt" dir="t"/>
-      </a:scene3d>
-      <a:sp3d prstMaterial="matte"/>
+      <a:ln w="19050">
+        <a:solidFill>
+          <a:schemeClr val="lt1"/>
+        </a:solidFill>
+      </a:ln>
     </cs:spPr>
   </cs:dataPoint3D>
   <cs:dataPointLine>
@@ -634,7 +1125,7 @@
     <cs:fillRef idx="0"/>
     <cs:effectRef idx="0"/>
     <cs:fontRef idx="minor">
-      <a:schemeClr val="dk1"/>
+      <a:schemeClr val="tx1"/>
     </cs:fontRef>
     <cs:spPr>
       <a:ln w="28575" cap="rnd">
@@ -652,7 +1143,7 @@
     </cs:fillRef>
     <cs:effectRef idx="0"/>
     <cs:fontRef idx="minor">
-      <a:schemeClr val="dk1"/>
+      <a:schemeClr val="tx1"/>
     </cs:fontRef>
     <cs:spPr>
       <a:solidFill>
@@ -673,7 +1164,7 @@
     <cs:fillRef idx="0"/>
     <cs:effectRef idx="0"/>
     <cs:fontRef idx="minor">
-      <a:schemeClr val="dk1"/>
+      <a:schemeClr val="tx1"/>
     </cs:fontRef>
     <cs:spPr>
       <a:ln w="9525" cap="rnd">
@@ -689,7 +1180,7 @@
     <cs:fillRef idx="0"/>
     <cs:effectRef idx="0"/>
     <cs:fontRef idx="minor">
-      <a:schemeClr val="dk1">
+      <a:schemeClr val="tx1">
         <a:lumMod val="65000"/>
         <a:lumOff val="35000"/>
       </a:schemeClr>
@@ -698,7 +1189,512 @@
       <a:noFill/>
       <a:ln w="9525" cap="flat" cmpd="sng" algn="ctr">
         <a:solidFill>
+          <a:schemeClr val="tx1">
+            <a:lumMod val="15000"/>
+            <a:lumOff val="85000"/>
+          </a:schemeClr>
+        </a:solidFill>
+        <a:round/>
+      </a:ln>
+    </cs:spPr>
+    <cs:defRPr sz="1197" kern="1200"/>
+  </cs:dataTable>
+  <cs:downBar>
+    <cs:lnRef idx="0"/>
+    <cs:fillRef idx="0"/>
+    <cs:effectRef idx="0"/>
+    <cs:fontRef idx="minor">
+      <a:schemeClr val="tx1"/>
+    </cs:fontRef>
+    <cs:spPr>
+      <a:solidFill>
+        <a:schemeClr val="dk1">
+          <a:lumMod val="75000"/>
+          <a:lumOff val="25000"/>
+        </a:schemeClr>
+      </a:solidFill>
+      <a:ln w="9525" cap="flat" cmpd="sng" algn="ctr">
+        <a:solidFill>
+          <a:schemeClr val="tx1">
+            <a:lumMod val="65000"/>
+            <a:lumOff val="35000"/>
+          </a:schemeClr>
+        </a:solidFill>
+        <a:round/>
+      </a:ln>
+    </cs:spPr>
+  </cs:downBar>
+  <cs:dropLine>
+    <cs:lnRef idx="0"/>
+    <cs:fillRef idx="0"/>
+    <cs:effectRef idx="0"/>
+    <cs:fontRef idx="minor">
+      <a:schemeClr val="tx1"/>
+    </cs:fontRef>
+    <cs:spPr>
+      <a:ln w="9525" cap="flat" cmpd="sng" algn="ctr">
+        <a:solidFill>
+          <a:schemeClr val="tx1">
+            <a:lumMod val="35000"/>
+            <a:lumOff val="65000"/>
+          </a:schemeClr>
+        </a:solidFill>
+        <a:round/>
+      </a:ln>
+    </cs:spPr>
+  </cs:dropLine>
+  <cs:errorBar>
+    <cs:lnRef idx="0"/>
+    <cs:fillRef idx="0"/>
+    <cs:effectRef idx="0"/>
+    <cs:fontRef idx="minor">
+      <a:schemeClr val="tx1"/>
+    </cs:fontRef>
+    <cs:spPr>
+      <a:ln w="9525" cap="flat" cmpd="sng" algn="ctr">
+        <a:solidFill>
+          <a:schemeClr val="tx1">
+            <a:lumMod val="65000"/>
+            <a:lumOff val="35000"/>
+          </a:schemeClr>
+        </a:solidFill>
+        <a:round/>
+      </a:ln>
+    </cs:spPr>
+  </cs:errorBar>
+  <cs:floor>
+    <cs:lnRef idx="0"/>
+    <cs:fillRef idx="0"/>
+    <cs:effectRef idx="0"/>
+    <cs:fontRef idx="minor">
+      <a:schemeClr val="tx1"/>
+    </cs:fontRef>
+    <cs:spPr>
+      <a:noFill/>
+      <a:ln>
+        <a:noFill/>
+      </a:ln>
+    </cs:spPr>
+  </cs:floor>
+  <cs:gridlineMajor>
+    <cs:lnRef idx="0"/>
+    <cs:fillRef idx="0"/>
+    <cs:effectRef idx="0"/>
+    <cs:fontRef idx="minor">
+      <a:schemeClr val="tx1"/>
+    </cs:fontRef>
+    <cs:spPr>
+      <a:ln w="9525" cap="flat" cmpd="sng" algn="ctr">
+        <a:solidFill>
+          <a:schemeClr val="tx1">
+            <a:lumMod val="15000"/>
+            <a:lumOff val="85000"/>
+          </a:schemeClr>
+        </a:solidFill>
+        <a:round/>
+      </a:ln>
+    </cs:spPr>
+  </cs:gridlineMajor>
+  <cs:gridlineMinor>
+    <cs:lnRef idx="0"/>
+    <cs:fillRef idx="0"/>
+    <cs:effectRef idx="0"/>
+    <cs:fontRef idx="minor">
+      <a:schemeClr val="tx1"/>
+    </cs:fontRef>
+    <cs:spPr>
+      <a:ln w="9525" cap="flat" cmpd="sng" algn="ctr">
+        <a:solidFill>
+          <a:schemeClr val="tx1">
+            <a:lumMod val="5000"/>
+            <a:lumOff val="95000"/>
+          </a:schemeClr>
+        </a:solidFill>
+        <a:round/>
+      </a:ln>
+    </cs:spPr>
+  </cs:gridlineMinor>
+  <cs:hiLoLine>
+    <cs:lnRef idx="0"/>
+    <cs:fillRef idx="0"/>
+    <cs:effectRef idx="0"/>
+    <cs:fontRef idx="minor">
+      <a:schemeClr val="tx1"/>
+    </cs:fontRef>
+    <cs:spPr>
+      <a:ln w="9525" cap="flat" cmpd="sng" algn="ctr">
+        <a:solidFill>
+          <a:schemeClr val="tx1">
+            <a:lumMod val="50000"/>
+            <a:lumOff val="50000"/>
+          </a:schemeClr>
+        </a:solidFill>
+        <a:round/>
+      </a:ln>
+    </cs:spPr>
+  </cs:hiLoLine>
+  <cs:leaderLine>
+    <cs:lnRef idx="0"/>
+    <cs:fillRef idx="0"/>
+    <cs:effectRef idx="0"/>
+    <cs:fontRef idx="minor">
+      <a:schemeClr val="tx1"/>
+    </cs:fontRef>
+    <cs:spPr>
+      <a:ln w="9525" cap="flat" cmpd="sng" algn="ctr">
+        <a:solidFill>
+          <a:schemeClr val="tx1">
+            <a:lumMod val="35000"/>
+            <a:lumOff val="65000"/>
+          </a:schemeClr>
+        </a:solidFill>
+        <a:round/>
+      </a:ln>
+    </cs:spPr>
+  </cs:leaderLine>
+  <cs:legend>
+    <cs:lnRef idx="0"/>
+    <cs:fillRef idx="0"/>
+    <cs:effectRef idx="0"/>
+    <cs:fontRef idx="minor">
+      <a:schemeClr val="tx1">
+        <a:lumMod val="65000"/>
+        <a:lumOff val="35000"/>
+      </a:schemeClr>
+    </cs:fontRef>
+    <cs:defRPr sz="1197" kern="1200"/>
+  </cs:legend>
+  <cs:plotArea mods="allowNoFillOverride allowNoLineOverride">
+    <cs:lnRef idx="0"/>
+    <cs:fillRef idx="0"/>
+    <cs:effectRef idx="0"/>
+    <cs:fontRef idx="minor">
+      <a:schemeClr val="tx1"/>
+    </cs:fontRef>
+  </cs:plotArea>
+  <cs:plotArea3D mods="allowNoFillOverride allowNoLineOverride">
+    <cs:lnRef idx="0"/>
+    <cs:fillRef idx="0"/>
+    <cs:effectRef idx="0"/>
+    <cs:fontRef idx="minor">
+      <a:schemeClr val="tx1"/>
+    </cs:fontRef>
+  </cs:plotArea3D>
+  <cs:seriesAxis>
+    <cs:lnRef idx="0"/>
+    <cs:fillRef idx="0"/>
+    <cs:effectRef idx="0"/>
+    <cs:fontRef idx="minor">
+      <a:schemeClr val="tx1">
+        <a:lumMod val="65000"/>
+        <a:lumOff val="35000"/>
+      </a:schemeClr>
+    </cs:fontRef>
+    <cs:defRPr sz="1197" kern="1200"/>
+  </cs:seriesAxis>
+  <cs:seriesLine>
+    <cs:lnRef idx="0"/>
+    <cs:fillRef idx="0"/>
+    <cs:effectRef idx="0"/>
+    <cs:fontRef idx="minor">
+      <a:schemeClr val="tx1"/>
+    </cs:fontRef>
+    <cs:spPr>
+      <a:ln w="9525" cap="flat" cmpd="sng" algn="ctr">
+        <a:solidFill>
+          <a:schemeClr val="tx1">
+            <a:lumMod val="35000"/>
+            <a:lumOff val="65000"/>
+          </a:schemeClr>
+        </a:solidFill>
+        <a:round/>
+      </a:ln>
+    </cs:spPr>
+  </cs:seriesLine>
+  <cs:title>
+    <cs:lnRef idx="0"/>
+    <cs:fillRef idx="0"/>
+    <cs:effectRef idx="0"/>
+    <cs:fontRef idx="minor">
+      <a:schemeClr val="tx1">
+        <a:lumMod val="65000"/>
+        <a:lumOff val="35000"/>
+      </a:schemeClr>
+    </cs:fontRef>
+    <cs:defRPr sz="1862" b="1" i="0" kern="1200" cap="all" spc="50" baseline="0"/>
+  </cs:title>
+  <cs:trendline>
+    <cs:lnRef idx="0">
+      <cs:styleClr val="auto"/>
+    </cs:lnRef>
+    <cs:fillRef idx="0"/>
+    <cs:effectRef idx="0"/>
+    <cs:fontRef idx="minor">
+      <a:schemeClr val="tx1"/>
+    </cs:fontRef>
+    <cs:spPr>
+      <a:ln w="19050" cap="rnd">
+        <a:solidFill>
+          <a:schemeClr val="phClr"/>
+        </a:solidFill>
+        <a:prstDash val="sysDash"/>
+      </a:ln>
+    </cs:spPr>
+  </cs:trendline>
+  <cs:trendlineLabel>
+    <cs:lnRef idx="0"/>
+    <cs:fillRef idx="0"/>
+    <cs:effectRef idx="0"/>
+    <cs:fontRef idx="minor">
+      <a:schemeClr val="tx1">
+        <a:lumMod val="65000"/>
+        <a:lumOff val="35000"/>
+      </a:schemeClr>
+    </cs:fontRef>
+    <cs:defRPr sz="1197" kern="1200"/>
+  </cs:trendlineLabel>
+  <cs:upBar>
+    <cs:lnRef idx="0"/>
+    <cs:fillRef idx="0"/>
+    <cs:effectRef idx="0"/>
+    <cs:fontRef idx="minor">
+      <a:schemeClr val="tx1"/>
+    </cs:fontRef>
+    <cs:spPr>
+      <a:solidFill>
+        <a:schemeClr val="lt1"/>
+      </a:solidFill>
+      <a:ln w="9525" cap="flat" cmpd="sng" algn="ctr">
+        <a:solidFill>
+          <a:schemeClr val="tx1">
+            <a:lumMod val="65000"/>
+            <a:lumOff val="35000"/>
+          </a:schemeClr>
+        </a:solidFill>
+        <a:round/>
+      </a:ln>
+    </cs:spPr>
+  </cs:upBar>
+  <cs:valueAxis>
+    <cs:lnRef idx="0"/>
+    <cs:fillRef idx="0"/>
+    <cs:effectRef idx="0"/>
+    <cs:fontRef idx="minor">
+      <a:schemeClr val="tx1">
+        <a:lumMod val="65000"/>
+        <a:lumOff val="35000"/>
+      </a:schemeClr>
+    </cs:fontRef>
+    <cs:defRPr sz="1197" kern="1200"/>
+  </cs:valueAxis>
+  <cs:wall>
+    <cs:lnRef idx="0"/>
+    <cs:fillRef idx="0"/>
+    <cs:effectRef idx="0"/>
+    <cs:fontRef idx="minor">
+      <a:schemeClr val="tx1"/>
+    </cs:fontRef>
+    <cs:spPr>
+      <a:noFill/>
+      <a:ln>
+        <a:noFill/>
+      </a:ln>
+    </cs:spPr>
+  </cs:wall>
+</cs:chartStyle>
+</file>
+
+<file path=ppt/charts/style2.xml><?xml version="1.0" encoding="utf-8"?>
+<cs:chartStyle xmlns:cs="http://schemas.microsoft.com/office/drawing/2012/chartStyle" xmlns:a="http://schemas.openxmlformats.org/drawingml/2006/main" id="201">
+  <cs:axisTitle>
+    <cs:lnRef idx="0"/>
+    <cs:fillRef idx="0"/>
+    <cs:effectRef idx="0"/>
+    <cs:fontRef idx="minor">
+      <a:schemeClr val="tx1">
+        <a:lumMod val="65000"/>
+        <a:lumOff val="35000"/>
+      </a:schemeClr>
+    </cs:fontRef>
+    <cs:defRPr sz="1330" kern="1200"/>
+  </cs:axisTitle>
+  <cs:categoryAxis>
+    <cs:lnRef idx="0"/>
+    <cs:fillRef idx="0"/>
+    <cs:effectRef idx="0"/>
+    <cs:fontRef idx="minor">
+      <a:schemeClr val="tx1">
+        <a:lumMod val="65000"/>
+        <a:lumOff val="35000"/>
+      </a:schemeClr>
+    </cs:fontRef>
+    <cs:spPr>
+      <a:ln w="9525" cap="flat" cmpd="sng" algn="ctr">
+        <a:solidFill>
+          <a:schemeClr val="tx1">
+            <a:lumMod val="15000"/>
+            <a:lumOff val="85000"/>
+          </a:schemeClr>
+        </a:solidFill>
+        <a:round/>
+      </a:ln>
+    </cs:spPr>
+    <cs:defRPr sz="1197" kern="1200"/>
+  </cs:categoryAxis>
+  <cs:chartArea mods="allowNoFillOverride allowNoLineOverride">
+    <cs:lnRef idx="0"/>
+    <cs:fillRef idx="0"/>
+    <cs:effectRef idx="0"/>
+    <cs:fontRef idx="minor">
+      <a:schemeClr val="tx1"/>
+    </cs:fontRef>
+    <cs:spPr>
+      <a:solidFill>
+        <a:schemeClr val="bg1"/>
+      </a:solidFill>
+      <a:ln w="9525" cap="flat" cmpd="sng" algn="ctr">
+        <a:solidFill>
+          <a:schemeClr val="tx1">
+            <a:lumMod val="15000"/>
+            <a:lumOff val="85000"/>
+          </a:schemeClr>
+        </a:solidFill>
+        <a:round/>
+      </a:ln>
+    </cs:spPr>
+    <cs:defRPr sz="1330" kern="1200"/>
+  </cs:chartArea>
+  <cs:dataLabel>
+    <cs:lnRef idx="0"/>
+    <cs:fillRef idx="0"/>
+    <cs:effectRef idx="0"/>
+    <cs:fontRef idx="minor">
+      <a:schemeClr val="tx1">
+        <a:lumMod val="75000"/>
+        <a:lumOff val="25000"/>
+      </a:schemeClr>
+    </cs:fontRef>
+    <cs:defRPr sz="1197" kern="1200"/>
+  </cs:dataLabel>
+  <cs:dataLabelCallout>
+    <cs:lnRef idx="0"/>
+    <cs:fillRef idx="0"/>
+    <cs:effectRef idx="0"/>
+    <cs:fontRef idx="minor">
+      <a:schemeClr val="dk1">
+        <a:lumMod val="65000"/>
+        <a:lumOff val="35000"/>
+      </a:schemeClr>
+    </cs:fontRef>
+    <cs:spPr>
+      <a:solidFill>
+        <a:schemeClr val="lt1"/>
+      </a:solidFill>
+      <a:ln>
+        <a:solidFill>
           <a:schemeClr val="dk1">
+            <a:lumMod val="25000"/>
+            <a:lumOff val="75000"/>
+          </a:schemeClr>
+        </a:solidFill>
+      </a:ln>
+    </cs:spPr>
+    <cs:defRPr sz="1197" kern="1200"/>
+    <cs:bodyPr rot="0" spcFirstLastPara="1" vertOverflow="clip" horzOverflow="clip" vert="horz" wrap="square" lIns="36576" tIns="18288" rIns="36576" bIns="18288" anchor="ctr" anchorCtr="1">
+      <a:spAutoFit/>
+    </cs:bodyPr>
+  </cs:dataLabelCallout>
+  <cs:dataPoint>
+    <cs:lnRef idx="0"/>
+    <cs:fillRef idx="1">
+      <cs:styleClr val="auto"/>
+    </cs:fillRef>
+    <cs:effectRef idx="0"/>
+    <cs:fontRef idx="minor">
+      <a:schemeClr val="tx1"/>
+    </cs:fontRef>
+  </cs:dataPoint>
+  <cs:dataPoint3D>
+    <cs:lnRef idx="0"/>
+    <cs:fillRef idx="1">
+      <cs:styleClr val="auto"/>
+    </cs:fillRef>
+    <cs:effectRef idx="0"/>
+    <cs:fontRef idx="minor">
+      <a:schemeClr val="tx1"/>
+    </cs:fontRef>
+  </cs:dataPoint3D>
+  <cs:dataPointLine>
+    <cs:lnRef idx="0">
+      <cs:styleClr val="auto"/>
+    </cs:lnRef>
+    <cs:fillRef idx="1"/>
+    <cs:effectRef idx="0"/>
+    <cs:fontRef idx="minor">
+      <a:schemeClr val="tx1"/>
+    </cs:fontRef>
+    <cs:spPr>
+      <a:ln w="28575" cap="rnd">
+        <a:solidFill>
+          <a:schemeClr val="phClr"/>
+        </a:solidFill>
+        <a:round/>
+      </a:ln>
+    </cs:spPr>
+  </cs:dataPointLine>
+  <cs:dataPointMarker>
+    <cs:lnRef idx="0">
+      <cs:styleClr val="auto"/>
+    </cs:lnRef>
+    <cs:fillRef idx="1">
+      <cs:styleClr val="auto"/>
+    </cs:fillRef>
+    <cs:effectRef idx="0"/>
+    <cs:fontRef idx="minor">
+      <a:schemeClr val="tx1"/>
+    </cs:fontRef>
+    <cs:spPr>
+      <a:ln w="9525">
+        <a:solidFill>
+          <a:schemeClr val="phClr"/>
+        </a:solidFill>
+      </a:ln>
+    </cs:spPr>
+  </cs:dataPointMarker>
+  <cs:dataPointMarkerLayout symbol="circle" size="5"/>
+  <cs:dataPointWireframe>
+    <cs:lnRef idx="0">
+      <cs:styleClr val="auto"/>
+    </cs:lnRef>
+    <cs:fillRef idx="1"/>
+    <cs:effectRef idx="0"/>
+    <cs:fontRef idx="minor">
+      <a:schemeClr val="tx1"/>
+    </cs:fontRef>
+    <cs:spPr>
+      <a:ln w="9525" cap="rnd">
+        <a:solidFill>
+          <a:schemeClr val="phClr"/>
+        </a:solidFill>
+        <a:round/>
+      </a:ln>
+    </cs:spPr>
+  </cs:dataPointWireframe>
+  <cs:dataTable>
+    <cs:lnRef idx="0"/>
+    <cs:fillRef idx="0"/>
+    <cs:effectRef idx="0"/>
+    <cs:fontRef idx="minor">
+      <a:schemeClr val="tx1">
+        <a:lumMod val="65000"/>
+        <a:lumOff val="35000"/>
+      </a:schemeClr>
+    </cs:fontRef>
+    <cs:spPr>
+      <a:noFill/>
+      <a:ln w="9525" cap="flat" cmpd="sng" algn="ctr">
+        <a:solidFill>
+          <a:schemeClr val="tx1">
             <a:lumMod val="15000"/>
             <a:lumOff val="85000"/>
           </a:schemeClr>
@@ -718,18 +1714,17 @@
     <cs:spPr>
       <a:solidFill>
         <a:schemeClr val="dk1">
-          <a:lumMod val="75000"/>
-          <a:lumOff val="25000"/>
+          <a:lumMod val="65000"/>
+          <a:lumOff val="35000"/>
         </a:schemeClr>
       </a:solidFill>
-      <a:ln w="9525" cap="flat" cmpd="sng" algn="ctr">
+      <a:ln w="9525">
         <a:solidFill>
-          <a:schemeClr val="dk1">
+          <a:schemeClr val="tx1">
             <a:lumMod val="65000"/>
             <a:lumOff val="35000"/>
           </a:schemeClr>
         </a:solidFill>
-        <a:round/>
       </a:ln>
     </cs:spPr>
   </cs:downBar>
@@ -738,12 +1733,12 @@
     <cs:fillRef idx="0"/>
     <cs:effectRef idx="0"/>
     <cs:fontRef idx="minor">
-      <a:schemeClr val="dk1"/>
+      <a:schemeClr val="tx1"/>
     </cs:fontRef>
     <cs:spPr>
       <a:ln w="9525" cap="flat" cmpd="sng" algn="ctr">
         <a:solidFill>
-          <a:schemeClr val="dk1">
+          <a:schemeClr val="tx1">
             <a:lumMod val="35000"/>
             <a:lumOff val="65000"/>
           </a:schemeClr>
@@ -757,12 +1752,12 @@
     <cs:fillRef idx="0"/>
     <cs:effectRef idx="0"/>
     <cs:fontRef idx="minor">
-      <a:schemeClr val="dk1"/>
+      <a:schemeClr val="tx1"/>
     </cs:fontRef>
     <cs:spPr>
       <a:ln w="9525" cap="flat" cmpd="sng" algn="ctr">
         <a:solidFill>
-          <a:schemeClr val="dk1">
+          <a:schemeClr val="tx1">
             <a:lumMod val="65000"/>
             <a:lumOff val="35000"/>
           </a:schemeClr>
@@ -776,7 +1771,7 @@
     <cs:fillRef idx="0"/>
     <cs:effectRef idx="0"/>
     <cs:fontRef idx="minor">
-      <a:schemeClr val="dk1"/>
+      <a:schemeClr val="tx1"/>
     </cs:fontRef>
     <cs:spPr>
       <a:noFill/>
@@ -790,12 +1785,12 @@
     <cs:fillRef idx="0"/>
     <cs:effectRef idx="0"/>
     <cs:fontRef idx="minor">
-      <a:schemeClr val="dk1"/>
+      <a:schemeClr val="tx1"/>
     </cs:fontRef>
     <cs:spPr>
       <a:ln w="9525" cap="flat" cmpd="sng" algn="ctr">
         <a:solidFill>
-          <a:schemeClr val="dk1">
+          <a:schemeClr val="tx1">
             <a:lumMod val="15000"/>
             <a:lumOff val="85000"/>
           </a:schemeClr>
@@ -809,12 +1804,12 @@
     <cs:fillRef idx="0"/>
     <cs:effectRef idx="0"/>
     <cs:fontRef idx="minor">
-      <a:schemeClr val="dk1"/>
+      <a:schemeClr val="tx1"/>
     </cs:fontRef>
     <cs:spPr>
       <a:ln w="9525" cap="flat" cmpd="sng" algn="ctr">
         <a:solidFill>
-          <a:schemeClr val="dk1">
+          <a:schemeClr val="tx1">
             <a:lumMod val="5000"/>
             <a:lumOff val="95000"/>
           </a:schemeClr>
@@ -828,14 +1823,14 @@
     <cs:fillRef idx="0"/>
     <cs:effectRef idx="0"/>
     <cs:fontRef idx="minor">
-      <a:schemeClr val="dk1"/>
+      <a:schemeClr val="tx1"/>
     </cs:fontRef>
     <cs:spPr>
       <a:ln w="9525" cap="flat" cmpd="sng" algn="ctr">
         <a:solidFill>
-          <a:schemeClr val="dk1">
-            <a:lumMod val="50000"/>
-            <a:lumOff val="50000"/>
+          <a:schemeClr val="tx1">
+            <a:lumMod val="75000"/>
+            <a:lumOff val="25000"/>
           </a:schemeClr>
         </a:solidFill>
         <a:round/>
@@ -847,12 +1842,12 @@
     <cs:fillRef idx="0"/>
     <cs:effectRef idx="0"/>
     <cs:fontRef idx="minor">
-      <a:schemeClr val="dk1"/>
+      <a:schemeClr val="tx1"/>
     </cs:fontRef>
     <cs:spPr>
       <a:ln w="9525" cap="flat" cmpd="sng" algn="ctr">
         <a:solidFill>
-          <a:schemeClr val="dk1">
+          <a:schemeClr val="tx1">
             <a:lumMod val="35000"/>
             <a:lumOff val="65000"/>
           </a:schemeClr>
@@ -866,18 +1861,11 @@
     <cs:fillRef idx="0"/>
     <cs:effectRef idx="0"/>
     <cs:fontRef idx="minor">
-      <a:schemeClr val="dk1">
+      <a:schemeClr val="tx1">
         <a:lumMod val="65000"/>
         <a:lumOff val="35000"/>
       </a:schemeClr>
     </cs:fontRef>
-    <cs:spPr>
-      <a:solidFill>
-        <a:schemeClr val="lt1">
-          <a:alpha val="78000"/>
-        </a:schemeClr>
-      </a:solidFill>
-    </cs:spPr>
     <cs:defRPr sz="1197" kern="1200"/>
   </cs:legend>
   <cs:plotArea mods="allowNoFillOverride allowNoLineOverride">
@@ -885,7 +1873,7 @@
     <cs:fillRef idx="0"/>
     <cs:effectRef idx="0"/>
     <cs:fontRef idx="minor">
-      <a:schemeClr val="dk1"/>
+      <a:schemeClr val="tx1"/>
     </cs:fontRef>
   </cs:plotArea>
   <cs:plotArea3D mods="allowNoFillOverride allowNoLineOverride">
@@ -893,7 +1881,7 @@
     <cs:fillRef idx="0"/>
     <cs:effectRef idx="0"/>
     <cs:fontRef idx="minor">
-      <a:schemeClr val="dk1"/>
+      <a:schemeClr val="tx1"/>
     </cs:fontRef>
   </cs:plotArea3D>
   <cs:seriesAxis>
@@ -901,7 +1889,7 @@
     <cs:fillRef idx="0"/>
     <cs:effectRef idx="0"/>
     <cs:fontRef idx="minor">
-      <a:schemeClr val="dk1">
+      <a:schemeClr val="tx1">
         <a:lumMod val="65000"/>
         <a:lumOff val="35000"/>
       </a:schemeClr>
@@ -913,12 +1901,12 @@
     <cs:fillRef idx="0"/>
     <cs:effectRef idx="0"/>
     <cs:fontRef idx="minor">
-      <a:schemeClr val="dk1"/>
+      <a:schemeClr val="tx1"/>
     </cs:fontRef>
     <cs:spPr>
       <a:ln w="9525" cap="flat" cmpd="sng" algn="ctr">
         <a:solidFill>
-          <a:schemeClr val="dk1">
+          <a:schemeClr val="tx1">
             <a:lumMod val="35000"/>
             <a:lumOff val="65000"/>
           </a:schemeClr>
@@ -932,12 +1920,12 @@
     <cs:fillRef idx="0"/>
     <cs:effectRef idx="0"/>
     <cs:fontRef idx="minor">
-      <a:schemeClr val="dk1">
+      <a:schemeClr val="tx1">
         <a:lumMod val="65000"/>
         <a:lumOff val="35000"/>
       </a:schemeClr>
     </cs:fontRef>
-    <cs:defRPr sz="2200" b="1" kern="1200" baseline="0"/>
+    <cs:defRPr sz="1862" b="0" kern="1200" spc="0" baseline="0"/>
   </cs:title>
   <cs:trendline>
     <cs:lnRef idx="0">
@@ -946,14 +1934,14 @@
     <cs:fillRef idx="0"/>
     <cs:effectRef idx="0"/>
     <cs:fontRef idx="minor">
-      <a:schemeClr val="dk1"/>
+      <a:schemeClr val="tx1"/>
     </cs:fontRef>
     <cs:spPr>
       <a:ln w="19050" cap="rnd">
         <a:solidFill>
           <a:schemeClr val="phClr"/>
         </a:solidFill>
-        <a:prstDash val="sysDash"/>
+        <a:prstDash val="sysDot"/>
       </a:ln>
     </cs:spPr>
   </cs:trendline>
@@ -962,7 +1950,7 @@
     <cs:fillRef idx="0"/>
     <cs:effectRef idx="0"/>
     <cs:fontRef idx="minor">
-      <a:schemeClr val="dk1">
+      <a:schemeClr val="tx1">
         <a:lumMod val="65000"/>
         <a:lumOff val="35000"/>
       </a:schemeClr>
@@ -980,14 +1968,13 @@
       <a:solidFill>
         <a:schemeClr val="lt1"/>
       </a:solidFill>
-      <a:ln w="9525" cap="flat" cmpd="sng" algn="ctr">
+      <a:ln w="9525">
         <a:solidFill>
-          <a:schemeClr val="dk1">
-            <a:lumMod val="65000"/>
-            <a:lumOff val="35000"/>
+          <a:schemeClr val="tx1">
+            <a:lumMod val="15000"/>
+            <a:lumOff val="85000"/>
           </a:schemeClr>
         </a:solidFill>
-        <a:round/>
       </a:ln>
     </cs:spPr>
   </cs:upBar>
@@ -996,7 +1983,7 @@
     <cs:fillRef idx="0"/>
     <cs:effectRef idx="0"/>
     <cs:fontRef idx="minor">
-      <a:schemeClr val="dk1">
+      <a:schemeClr val="tx1">
         <a:lumMod val="65000"/>
         <a:lumOff val="35000"/>
       </a:schemeClr>
@@ -1008,8 +1995,14 @@
     <cs:fillRef idx="0"/>
     <cs:effectRef idx="0"/>
     <cs:fontRef idx="minor">
-      <a:schemeClr val="dk1"/>
+      <a:schemeClr val="tx1"/>
     </cs:fontRef>
+    <cs:spPr>
+      <a:noFill/>
+      <a:ln>
+        <a:noFill/>
+      </a:ln>
+    </cs:spPr>
   </cs:wall>
 </cs:chartStyle>
 </file>
@@ -12026,32 +13019,13 @@
                   <a:srgbClr val="FFFFFF"/>
                 </a:solidFill>
               </a:rPr>
-              <a:t>Анализ целевой аудитории</a:t>
+              <a:t>Анализ и тестирование целевой аудитории</a:t>
             </a:r>
             <a:endParaRPr lang="ru-RU" b="1" dirty="0">
               <a:solidFill>
                 <a:srgbClr val="FFFFFF"/>
               </a:solidFill>
             </a:endParaRPr>
-          </a:p>
-        </p:txBody>
-      </p:sp>
-      <p:sp>
-        <p:nvSpPr>
-          <p:cNvPr id="3" name="Текст 2"/>
-          <p:cNvSpPr>
-            <a:spLocks noGrp="1"/>
-          </p:cNvSpPr>
-          <p:nvPr>
-            <p:ph type="body" idx="1"/>
-          </p:nvPr>
-        </p:nvSpPr>
-        <p:spPr/>
-        <p:txBody>
-          <a:bodyPr/>
-          <a:lstStyle/>
-          <a:p>
-            <a:endParaRPr lang="ru-RU"/>
           </a:p>
         </p:txBody>
       </p:sp>
@@ -12065,14 +13039,14 @@
             <p:ph sz="half" idx="2"/>
             <p:extLst>
               <p:ext uri="{D42A27DB-BD31-4B8C-83A1-F6EECF244321}">
-                <p14:modId xmlns:p14="http://schemas.microsoft.com/office/powerpoint/2010/main" val="3822028392"/>
+                <p14:modId xmlns:p14="http://schemas.microsoft.com/office/powerpoint/2010/main" val="3209338340"/>
               </p:ext>
             </p:extLst>
           </p:nvPr>
         </p:nvGraphicFramePr>
         <p:xfrm>
-          <a:off x="839788" y="2505075"/>
-          <a:ext cx="5157787" cy="3684588"/>
+          <a:off x="5254473" y="1636464"/>
+          <a:ext cx="6396754" cy="4861903"/>
         </p:xfrm>
         <a:graphic>
           <a:graphicData uri="http://schemas.openxmlformats.org/drawingml/2006/chart">
@@ -12082,42 +13056,105 @@
       </p:graphicFrame>
       <p:sp>
         <p:nvSpPr>
-          <p:cNvPr id="5" name="Текст 4"/>
-          <p:cNvSpPr>
-            <a:spLocks noGrp="1"/>
-          </p:cNvSpPr>
-          <p:nvPr>
-            <p:ph type="body" sz="quarter" idx="3"/>
-          </p:nvPr>
+          <p:cNvPr id="12" name="TextBox 11"/>
+          <p:cNvSpPr txBox="1"/>
+          <p:nvPr/>
         </p:nvSpPr>
-        <p:spPr/>
+        <p:spPr>
+          <a:xfrm>
+            <a:off x="442452" y="1995948"/>
+            <a:ext cx="5348748" cy="1754326"/>
+          </a:xfrm>
+          <a:prstGeom prst="rect">
+            <a:avLst/>
+          </a:prstGeom>
+          <a:noFill/>
+        </p:spPr>
         <p:txBody>
-          <a:bodyPr/>
+          <a:bodyPr wrap="square" rtlCol="0">
+            <a:spAutoFit/>
+          </a:bodyPr>
           <a:lstStyle/>
           <a:p>
-            <a:endParaRPr lang="ru-RU"/>
+            <a:r>
+              <a:rPr lang="ru-RU" dirty="0" err="1" smtClean="0"/>
+              <a:t>Фрагментирование</a:t>
+            </a:r>
+            <a:r>
+              <a:rPr lang="ru-RU" dirty="0" smtClean="0"/>
+              <a:t> целевой аудитории:</a:t>
+            </a:r>
+          </a:p>
+          <a:p>
+            <a:pPr marL="342900" indent="-342900">
+              <a:buAutoNum type="arabicPeriod"/>
+            </a:pPr>
+            <a:r>
+              <a:rPr lang="ru-RU" dirty="0" smtClean="0"/>
+              <a:t>От 18 до 21 года</a:t>
+            </a:r>
+          </a:p>
+          <a:p>
+            <a:pPr marL="342900" indent="-342900">
+              <a:buAutoNum type="arabicPeriod"/>
+            </a:pPr>
+            <a:r>
+              <a:rPr lang="ru-RU" dirty="0" smtClean="0"/>
+              <a:t>От 22 до 26 лет</a:t>
+            </a:r>
+          </a:p>
+          <a:p>
+            <a:pPr marL="342900" indent="-342900">
+              <a:buAutoNum type="arabicPeriod"/>
+            </a:pPr>
+            <a:r>
+              <a:rPr lang="ru-RU" dirty="0" smtClean="0"/>
+              <a:t>От 27 до 30 лет</a:t>
+            </a:r>
+          </a:p>
+          <a:p>
+            <a:pPr marL="342900" indent="-342900">
+              <a:buAutoNum type="arabicPeriod"/>
+            </a:pPr>
+            <a:r>
+              <a:rPr lang="ru-RU" dirty="0" smtClean="0"/>
+              <a:t>От 31 до 40 лет</a:t>
+            </a:r>
+          </a:p>
+          <a:p>
+            <a:pPr marL="342900" indent="-342900">
+              <a:buAutoNum type="arabicPeriod"/>
+            </a:pPr>
+            <a:r>
+              <a:rPr lang="ru-RU" dirty="0" smtClean="0"/>
+              <a:t>Старше 40 года</a:t>
+            </a:r>
+            <a:endParaRPr lang="ru-RU" dirty="0"/>
           </a:p>
         </p:txBody>
       </p:sp>
-      <p:sp>
-        <p:nvSpPr>
-          <p:cNvPr id="6" name="Объект 5"/>
-          <p:cNvSpPr>
-            <a:spLocks noGrp="1"/>
-          </p:cNvSpPr>
+      <p:graphicFrame>
+        <p:nvGraphicFramePr>
+          <p:cNvPr id="15" name="Диаграмма 14"/>
+          <p:cNvGraphicFramePr/>
           <p:nvPr>
-            <p:ph sz="quarter" idx="4"/>
+            <p:extLst>
+              <p:ext uri="{D42A27DB-BD31-4B8C-83A1-F6EECF244321}">
+                <p14:modId xmlns:p14="http://schemas.microsoft.com/office/powerpoint/2010/main" val="3193491714"/>
+              </p:ext>
+            </p:extLst>
           </p:nvPr>
-        </p:nvSpPr>
-        <p:spPr/>
-        <p:txBody>
-          <a:bodyPr/>
-          <a:lstStyle/>
-          <a:p>
-            <a:endParaRPr lang="ru-RU"/>
-          </a:p>
-        </p:txBody>
-      </p:sp>
+        </p:nvGraphicFramePr>
+        <p:xfrm>
+          <a:off x="442452" y="3677265"/>
+          <a:ext cx="6381135" cy="3057832"/>
+        </p:xfrm>
+        <a:graphic>
+          <a:graphicData uri="http://schemas.openxmlformats.org/drawingml/2006/chart">
+            <c:chart xmlns:c="http://schemas.openxmlformats.org/drawingml/2006/chart" xmlns:r="http://schemas.openxmlformats.org/officeDocument/2006/relationships" r:id="rId3"/>
+          </a:graphicData>
+        </a:graphic>
+      </p:graphicFrame>
     </p:spTree>
     <p:extLst>
       <p:ext uri="{BB962C8B-B14F-4D97-AF65-F5344CB8AC3E}">
